--- a/image/example_plots.pptx
+++ b/image/example_plots.pptx
@@ -5,8 +5,8 @@
     <p:sldMasterId id="2147483648" r:id="rId1"/>
   </p:sldMasterIdLst>
   <p:sldIdLst>
-    <p:sldId id="256" r:id="rId2"/>
-    <p:sldId id="257" r:id="rId3"/>
+    <p:sldId id="257" r:id="rId2"/>
+    <p:sldId id="256" r:id="rId3"/>
   </p:sldIdLst>
   <p:sldSz cx="12192000" cy="6858000"/>
   <p:notesSz cx="6858000" cy="9144000"/>
@@ -105,6 +105,11 @@
       </a:defRPr>
     </a:lvl9pPr>
   </p:defaultTextStyle>
+  <p:extLst>
+    <p:ext uri="{EFAFB233-063F-42B5-8137-9DF3F51BA10A}">
+      <p15:sldGuideLst xmlns:p15="http://schemas.microsoft.com/office/powerpoint/2012/main"/>
+    </p:ext>
+  </p:extLst>
 </p:presentation>
 </file>
 
@@ -3322,36 +3327,6 @@
           <a:chExt cx="0" cy="0"/>
         </a:xfrm>
       </p:grpSpPr>
-    </p:spTree>
-    <p:extLst>
-      <p:ext uri="{BB962C8B-B14F-4D97-AF65-F5344CB8AC3E}">
-        <p14:creationId xmlns:p14="http://schemas.microsoft.com/office/powerpoint/2010/main" val="4041475624"/>
-      </p:ext>
-    </p:extLst>
-  </p:cSld>
-  <p:clrMapOvr>
-    <a:masterClrMapping/>
-  </p:clrMapOvr>
-</p:sld>
-</file>
-
-<file path=ppt/slides/slide2.xml><?xml version="1.0" encoding="utf-8"?>
-<p:sld xmlns:a="http://schemas.openxmlformats.org/drawingml/2006/main" xmlns:r="http://schemas.openxmlformats.org/officeDocument/2006/relationships" xmlns:p="http://schemas.openxmlformats.org/presentationml/2006/main">
-  <p:cSld>
-    <p:spTree>
-      <p:nvGrpSpPr>
-        <p:cNvPr id="1" name=""/>
-        <p:cNvGrpSpPr/>
-        <p:nvPr/>
-      </p:nvGrpSpPr>
-      <p:grpSpPr>
-        <a:xfrm>
-          <a:off x="0" y="0"/>
-          <a:ext cx="0" cy="0"/>
-          <a:chOff x="0" y="0"/>
-          <a:chExt cx="0" cy="0"/>
-        </a:xfrm>
-      </p:grpSpPr>
       <p:grpSp>
         <p:nvGrpSpPr>
           <p:cNvPr id="12" name="Group 11">
@@ -3641,6 +3616,189 @@
     <p:extLst>
       <p:ext uri="{BB962C8B-B14F-4D97-AF65-F5344CB8AC3E}">
         <p14:creationId xmlns:p14="http://schemas.microsoft.com/office/powerpoint/2010/main" val="359284518"/>
+      </p:ext>
+    </p:extLst>
+  </p:cSld>
+  <p:clrMapOvr>
+    <a:masterClrMapping/>
+  </p:clrMapOvr>
+</p:sld>
+</file>
+
+<file path=ppt/slides/slide2.xml><?xml version="1.0" encoding="utf-8"?>
+<p:sld xmlns:a="http://schemas.openxmlformats.org/drawingml/2006/main" xmlns:r="http://schemas.openxmlformats.org/officeDocument/2006/relationships" xmlns:p="http://schemas.openxmlformats.org/presentationml/2006/main">
+  <p:cSld>
+    <p:spTree>
+      <p:nvGrpSpPr>
+        <p:cNvPr id="1" name=""/>
+        <p:cNvGrpSpPr/>
+        <p:nvPr/>
+      </p:nvGrpSpPr>
+      <p:grpSpPr>
+        <a:xfrm>
+          <a:off x="0" y="0"/>
+          <a:ext cx="0" cy="0"/>
+          <a:chOff x="0" y="0"/>
+          <a:chExt cx="0" cy="0"/>
+        </a:xfrm>
+      </p:grpSpPr>
+      <p:grpSp>
+        <p:nvGrpSpPr>
+          <p:cNvPr id="6" name="Group 5">
+            <a:extLst>
+              <a:ext uri="{FF2B5EF4-FFF2-40B4-BE49-F238E27FC236}">
+                <a16:creationId xmlns:a16="http://schemas.microsoft.com/office/drawing/2014/main" id="{7C5432FE-41CC-4CB4-8F6A-FE6C8CD7B575}"/>
+              </a:ext>
+            </a:extLst>
+          </p:cNvPr>
+          <p:cNvGrpSpPr/>
+          <p:nvPr/>
+        </p:nvGrpSpPr>
+        <p:grpSpPr>
+          <a:xfrm>
+            <a:off x="1762943" y="1197113"/>
+            <a:ext cx="7850188" cy="4249190"/>
+            <a:chOff x="1762943" y="1197113"/>
+            <a:chExt cx="7850188" cy="4249190"/>
+          </a:xfrm>
+        </p:grpSpPr>
+        <p:pic>
+          <p:nvPicPr>
+            <p:cNvPr id="2" name="Picture 1">
+              <a:extLst>
+                <a:ext uri="{FF2B5EF4-FFF2-40B4-BE49-F238E27FC236}">
+                  <a16:creationId xmlns:a16="http://schemas.microsoft.com/office/drawing/2014/main" id="{D18748CA-DCB4-4FF1-9C5A-3DBC858075D4}"/>
+                </a:ext>
+              </a:extLst>
+            </p:cNvPr>
+            <p:cNvPicPr>
+              <a:picLocks noChangeAspect="1"/>
+            </p:cNvPicPr>
+            <p:nvPr/>
+          </p:nvPicPr>
+          <p:blipFill>
+            <a:blip r:embed="rId2"/>
+            <a:stretch>
+              <a:fillRect/>
+            </a:stretch>
+          </p:blipFill>
+          <p:spPr>
+            <a:xfrm>
+              <a:off x="1762943" y="1636779"/>
+              <a:ext cx="3714286" cy="3809524"/>
+            </a:xfrm>
+            <a:prstGeom prst="rect">
+              <a:avLst/>
+            </a:prstGeom>
+          </p:spPr>
+        </p:pic>
+        <p:pic>
+          <p:nvPicPr>
+            <p:cNvPr id="3" name="Picture 2">
+              <a:extLst>
+                <a:ext uri="{FF2B5EF4-FFF2-40B4-BE49-F238E27FC236}">
+                  <a16:creationId xmlns:a16="http://schemas.microsoft.com/office/drawing/2014/main" id="{6C54BB17-6730-4258-A6AF-B02AD562D34D}"/>
+                </a:ext>
+              </a:extLst>
+            </p:cNvPr>
+            <p:cNvPicPr>
+              <a:picLocks noChangeAspect="1"/>
+            </p:cNvPicPr>
+            <p:nvPr/>
+          </p:nvPicPr>
+          <p:blipFill>
+            <a:blip r:embed="rId3"/>
+            <a:stretch>
+              <a:fillRect/>
+            </a:stretch>
+          </p:blipFill>
+          <p:spPr>
+            <a:xfrm>
+              <a:off x="5898845" y="1636779"/>
+              <a:ext cx="3714286" cy="3809524"/>
+            </a:xfrm>
+            <a:prstGeom prst="rect">
+              <a:avLst/>
+            </a:prstGeom>
+          </p:spPr>
+        </p:pic>
+        <p:sp>
+          <p:nvSpPr>
+            <p:cNvPr id="4" name="TextBox 3">
+              <a:extLst>
+                <a:ext uri="{FF2B5EF4-FFF2-40B4-BE49-F238E27FC236}">
+                  <a16:creationId xmlns:a16="http://schemas.microsoft.com/office/drawing/2014/main" id="{326A3EEE-1731-421A-BFA2-0D0D36D0E05D}"/>
+                </a:ext>
+              </a:extLst>
+            </p:cNvPr>
+            <p:cNvSpPr txBox="1"/>
+            <p:nvPr/>
+          </p:nvSpPr>
+          <p:spPr>
+            <a:xfrm>
+              <a:off x="2222695" y="1197113"/>
+              <a:ext cx="1164742" cy="369332"/>
+            </a:xfrm>
+            <a:prstGeom prst="rect">
+              <a:avLst/>
+            </a:prstGeom>
+            <a:noFill/>
+          </p:spPr>
+          <p:txBody>
+            <a:bodyPr wrap="none" rtlCol="0">
+              <a:spAutoFit/>
+            </a:bodyPr>
+            <a:lstStyle/>
+            <a:p>
+              <a:r>
+                <a:rPr lang="en-US" altLang="zh-TW" dirty="0"/>
+                <a:t>Example-1</a:t>
+              </a:r>
+              <a:endParaRPr lang="en-US" dirty="0"/>
+            </a:p>
+          </p:txBody>
+        </p:sp>
+        <p:sp>
+          <p:nvSpPr>
+            <p:cNvPr id="5" name="TextBox 4">
+              <a:extLst>
+                <a:ext uri="{FF2B5EF4-FFF2-40B4-BE49-F238E27FC236}">
+                  <a16:creationId xmlns:a16="http://schemas.microsoft.com/office/drawing/2014/main" id="{3A62901B-9D92-4201-932E-8AC8375E638E}"/>
+                </a:ext>
+              </a:extLst>
+            </p:cNvPr>
+            <p:cNvSpPr txBox="1"/>
+            <p:nvPr/>
+          </p:nvSpPr>
+          <p:spPr>
+            <a:xfrm>
+              <a:off x="6372665" y="1197113"/>
+              <a:ext cx="1164742" cy="369332"/>
+            </a:xfrm>
+            <a:prstGeom prst="rect">
+              <a:avLst/>
+            </a:prstGeom>
+            <a:noFill/>
+          </p:spPr>
+          <p:txBody>
+            <a:bodyPr wrap="none" rtlCol="0">
+              <a:spAutoFit/>
+            </a:bodyPr>
+            <a:lstStyle/>
+            <a:p>
+              <a:r>
+                <a:rPr lang="en-US" altLang="zh-TW" dirty="0"/>
+                <a:t>Example-2</a:t>
+              </a:r>
+              <a:endParaRPr lang="en-US" dirty="0"/>
+            </a:p>
+          </p:txBody>
+        </p:sp>
+      </p:grpSp>
+    </p:spTree>
+    <p:extLst>
+      <p:ext uri="{BB962C8B-B14F-4D97-AF65-F5344CB8AC3E}">
+        <p14:creationId xmlns:p14="http://schemas.microsoft.com/office/powerpoint/2010/main" val="4041475624"/>
       </p:ext>
     </p:extLst>
   </p:cSld>
